--- a/chapter-02/01-bluegreen/02_01_bluegreen.pptx
+++ b/chapter-02/01-bluegreen/02_01_bluegreen.pptx
@@ -17,11 +17,13 @@
     <p:sldMasterId id="2147483674" r:id="rId13"/>
   </p:sldMasterIdLst>
   <p:notesMasterIdLst>
-    <p:notesMasterId r:id="rId16"/>
+    <p:notesMasterId r:id="rId18"/>
   </p:notesMasterIdLst>
   <p:sldIdLst>
     <p:sldId id="259" r:id="rId14"/>
-    <p:sldId id="296" r:id="rId15"/>
+    <p:sldId id="297" r:id="rId15"/>
+    <p:sldId id="298" r:id="rId16"/>
+    <p:sldId id="296" r:id="rId17"/>
   </p:sldIdLst>
   <p:sldSz cx="12192000" cy="6858000"/>
   <p:notesSz cx="9144000" cy="6858000"/>
@@ -258,7 +260,7 @@
           <a:p>
             <a:fld id="{7C2A2C10-8C9F-9B42-9862-A5B84F1CAB8B}" type="datetimeFigureOut">
               <a:rPr lang="en-US" smtClean="0"/>
-              <a:t>4/14/2023</a:t>
+              <a:t>4/15/2023</a:t>
             </a:fld>
             <a:endParaRPr lang="en-US"/>
           </a:p>
@@ -15204,7 +15206,7 @@
           <a:p>
             <a:r>
               <a:rPr lang="en-US" dirty="0"/>
-              <a:t>Blue/green deployments</a:t>
+              <a:t>Blue/green deployment</a:t>
             </a:r>
           </a:p>
         </p:txBody>
@@ -15309,6 +15311,690 @@
 </file>
 
 <file path=ppt/slides/slide2.xml><?xml version="1.0" encoding="utf-8"?>
+<p:sld xmlns:a="http://schemas.openxmlformats.org/drawingml/2006/main" xmlns:r="http://schemas.openxmlformats.org/officeDocument/2006/relationships" xmlns:p="http://schemas.openxmlformats.org/presentationml/2006/main">
+  <p:cSld>
+    <p:spTree>
+      <p:nvGrpSpPr>
+        <p:cNvPr id="1" name=""/>
+        <p:cNvGrpSpPr/>
+        <p:nvPr/>
+      </p:nvGrpSpPr>
+      <p:grpSpPr>
+        <a:xfrm>
+          <a:off x="0" y="0"/>
+          <a:ext cx="0" cy="0"/>
+          <a:chOff x="0" y="0"/>
+          <a:chExt cx="0" cy="0"/>
+        </a:xfrm>
+      </p:grpSpPr>
+      <p:sp>
+        <p:nvSpPr>
+          <p:cNvPr id="4" name="Title 3">
+            <a:extLst>
+              <a:ext uri="{FF2B5EF4-FFF2-40B4-BE49-F238E27FC236}">
+                <a16:creationId xmlns:a16="http://schemas.microsoft.com/office/drawing/2014/main" id="{1720ACA4-C5B9-C55B-2CA7-CF5138231B4D}"/>
+              </a:ext>
+            </a:extLst>
+          </p:cNvPr>
+          <p:cNvSpPr>
+            <a:spLocks noGrp="1"/>
+          </p:cNvSpPr>
+          <p:nvPr>
+            <p:ph type="title"/>
+          </p:nvPr>
+        </p:nvSpPr>
+        <p:spPr/>
+        <p:txBody>
+          <a:bodyPr/>
+          <a:lstStyle/>
+          <a:p>
+            <a:r>
+              <a:rPr lang="en-US" dirty="0"/>
+              <a:t>Blue/green deployment</a:t>
+            </a:r>
+          </a:p>
+        </p:txBody>
+      </p:sp>
+      <p:sp>
+        <p:nvSpPr>
+          <p:cNvPr id="9" name="Rectangle 8">
+            <a:extLst>
+              <a:ext uri="{FF2B5EF4-FFF2-40B4-BE49-F238E27FC236}">
+                <a16:creationId xmlns:a16="http://schemas.microsoft.com/office/drawing/2014/main" id="{0A3551D6-00DF-95C4-4CFC-9179C63A3D46}"/>
+              </a:ext>
+            </a:extLst>
+          </p:cNvPr>
+          <p:cNvSpPr/>
+          <p:nvPr/>
+        </p:nvSpPr>
+        <p:spPr>
+          <a:xfrm>
+            <a:off x="1983580" y="2915840"/>
+            <a:ext cx="2586038" cy="985838"/>
+          </a:xfrm>
+          <a:prstGeom prst="rect">
+            <a:avLst/>
+          </a:prstGeom>
+          <a:solidFill>
+            <a:schemeClr val="bg2">
+              <a:lumMod val="50000"/>
+            </a:schemeClr>
+          </a:solidFill>
+          <a:ln>
+            <a:noFill/>
+          </a:ln>
+        </p:spPr>
+        <p:style>
+          <a:lnRef idx="2">
+            <a:schemeClr val="accent1">
+              <a:shade val="50000"/>
+            </a:schemeClr>
+          </a:lnRef>
+          <a:fillRef idx="1">
+            <a:schemeClr val="accent1"/>
+          </a:fillRef>
+          <a:effectRef idx="0">
+            <a:schemeClr val="accent1"/>
+          </a:effectRef>
+          <a:fontRef idx="minor">
+            <a:schemeClr val="lt1"/>
+          </a:fontRef>
+        </p:style>
+        <p:txBody>
+          <a:bodyPr rtlCol="0" anchor="ctr"/>
+          <a:lstStyle/>
+          <a:p>
+            <a:pPr algn="ctr"/>
+            <a:r>
+              <a:rPr lang="en-US" dirty="0"/>
+              <a:t>Service</a:t>
+            </a:r>
+          </a:p>
+          <a:p>
+            <a:pPr algn="ctr"/>
+            <a:endParaRPr lang="en-US" dirty="0"/>
+          </a:p>
+          <a:p>
+            <a:pPr algn="ctr"/>
+            <a:r>
+              <a:rPr lang="en-US" dirty="0"/>
+              <a:t>(version: blue)</a:t>
+            </a:r>
+          </a:p>
+        </p:txBody>
+      </p:sp>
+      <p:sp>
+        <p:nvSpPr>
+          <p:cNvPr id="10" name="Rectangle 9">
+            <a:extLst>
+              <a:ext uri="{FF2B5EF4-FFF2-40B4-BE49-F238E27FC236}">
+                <a16:creationId xmlns:a16="http://schemas.microsoft.com/office/drawing/2014/main" id="{FA57A262-E0B0-BD1B-3FF3-C17A32F2EB39}"/>
+              </a:ext>
+            </a:extLst>
+          </p:cNvPr>
+          <p:cNvSpPr/>
+          <p:nvPr/>
+        </p:nvSpPr>
+        <p:spPr>
+          <a:xfrm>
+            <a:off x="7622381" y="1930002"/>
+            <a:ext cx="2586038" cy="985838"/>
+          </a:xfrm>
+          <a:prstGeom prst="rect">
+            <a:avLst/>
+          </a:prstGeom>
+          <a:solidFill>
+            <a:srgbClr val="326CE5"/>
+          </a:solidFill>
+          <a:ln>
+            <a:noFill/>
+          </a:ln>
+        </p:spPr>
+        <p:style>
+          <a:lnRef idx="2">
+            <a:schemeClr val="accent1">
+              <a:shade val="50000"/>
+            </a:schemeClr>
+          </a:lnRef>
+          <a:fillRef idx="1">
+            <a:schemeClr val="accent1"/>
+          </a:fillRef>
+          <a:effectRef idx="0">
+            <a:schemeClr val="accent1"/>
+          </a:effectRef>
+          <a:fontRef idx="minor">
+            <a:schemeClr val="lt1"/>
+          </a:fontRef>
+        </p:style>
+        <p:txBody>
+          <a:bodyPr rtlCol="0" anchor="ctr"/>
+          <a:lstStyle/>
+          <a:p>
+            <a:pPr algn="ctr"/>
+            <a:r>
+              <a:rPr lang="en-US" dirty="0"/>
+              <a:t>Blue deployment</a:t>
+            </a:r>
+          </a:p>
+        </p:txBody>
+      </p:sp>
+      <p:sp>
+        <p:nvSpPr>
+          <p:cNvPr id="11" name="Rectangle 10">
+            <a:extLst>
+              <a:ext uri="{FF2B5EF4-FFF2-40B4-BE49-F238E27FC236}">
+                <a16:creationId xmlns:a16="http://schemas.microsoft.com/office/drawing/2014/main" id="{79C42AB2-0727-F705-85FE-E48541D46C2F}"/>
+              </a:ext>
+            </a:extLst>
+          </p:cNvPr>
+          <p:cNvSpPr/>
+          <p:nvPr/>
+        </p:nvSpPr>
+        <p:spPr>
+          <a:xfrm>
+            <a:off x="7622381" y="3942159"/>
+            <a:ext cx="2586038" cy="985838"/>
+          </a:xfrm>
+          <a:prstGeom prst="rect">
+            <a:avLst/>
+          </a:prstGeom>
+          <a:solidFill>
+            <a:srgbClr val="00B050">
+              <a:alpha val="25098"/>
+            </a:srgbClr>
+          </a:solidFill>
+          <a:ln>
+            <a:noFill/>
+          </a:ln>
+        </p:spPr>
+        <p:style>
+          <a:lnRef idx="2">
+            <a:schemeClr val="accent1">
+              <a:shade val="50000"/>
+            </a:schemeClr>
+          </a:lnRef>
+          <a:fillRef idx="1">
+            <a:schemeClr val="accent1"/>
+          </a:fillRef>
+          <a:effectRef idx="0">
+            <a:schemeClr val="accent1"/>
+          </a:effectRef>
+          <a:fontRef idx="minor">
+            <a:schemeClr val="lt1"/>
+          </a:fontRef>
+        </p:style>
+        <p:txBody>
+          <a:bodyPr rtlCol="0" anchor="ctr"/>
+          <a:lstStyle/>
+          <a:p>
+            <a:pPr algn="ctr"/>
+            <a:r>
+              <a:rPr lang="en-US" dirty="0"/>
+              <a:t>Green deployment</a:t>
+            </a:r>
+          </a:p>
+        </p:txBody>
+      </p:sp>
+      <p:cxnSp>
+        <p:nvCxnSpPr>
+          <p:cNvPr id="12" name="Straight Arrow Connector 11">
+            <a:extLst>
+              <a:ext uri="{FF2B5EF4-FFF2-40B4-BE49-F238E27FC236}">
+                <a16:creationId xmlns:a16="http://schemas.microsoft.com/office/drawing/2014/main" id="{9566211B-D402-743A-4C7B-3BAD575FCD4A}"/>
+              </a:ext>
+            </a:extLst>
+          </p:cNvPr>
+          <p:cNvCxnSpPr>
+            <a:stCxn id="9" idx="3"/>
+            <a:endCxn id="10" idx="1"/>
+          </p:cNvCxnSpPr>
+          <p:nvPr/>
+        </p:nvCxnSpPr>
+        <p:spPr>
+          <a:xfrm flipV="1">
+            <a:off x="4569618" y="2422921"/>
+            <a:ext cx="3052763" cy="985838"/>
+          </a:xfrm>
+          <a:prstGeom prst="straightConnector1">
+            <a:avLst/>
+          </a:prstGeom>
+          <a:ln>
+            <a:tailEnd type="triangle"/>
+          </a:ln>
+        </p:spPr>
+        <p:style>
+          <a:lnRef idx="1">
+            <a:schemeClr val="accent1"/>
+          </a:lnRef>
+          <a:fillRef idx="0">
+            <a:schemeClr val="accent1"/>
+          </a:fillRef>
+          <a:effectRef idx="0">
+            <a:schemeClr val="accent1"/>
+          </a:effectRef>
+          <a:fontRef idx="minor">
+            <a:schemeClr val="tx1"/>
+          </a:fontRef>
+        </p:style>
+      </p:cxnSp>
+    </p:spTree>
+    <p:extLst>
+      <p:ext uri="{BB962C8B-B14F-4D97-AF65-F5344CB8AC3E}">
+        <p14:creationId xmlns:p14="http://schemas.microsoft.com/office/powerpoint/2010/main" val="3891542893"/>
+      </p:ext>
+    </p:extLst>
+  </p:cSld>
+  <p:clrMapOvr>
+    <a:masterClrMapping/>
+  </p:clrMapOvr>
+</p:sld>
+</file>
+
+<file path=ppt/slides/slide3.xml><?xml version="1.0" encoding="utf-8"?>
+<p:sld xmlns:a="http://schemas.openxmlformats.org/drawingml/2006/main" xmlns:r="http://schemas.openxmlformats.org/officeDocument/2006/relationships" xmlns:p="http://schemas.openxmlformats.org/presentationml/2006/main">
+  <p:cSld>
+    <p:spTree>
+      <p:nvGrpSpPr>
+        <p:cNvPr id="1" name=""/>
+        <p:cNvGrpSpPr/>
+        <p:nvPr/>
+      </p:nvGrpSpPr>
+      <p:grpSpPr>
+        <a:xfrm>
+          <a:off x="0" y="0"/>
+          <a:ext cx="0" cy="0"/>
+          <a:chOff x="0" y="0"/>
+          <a:chExt cx="0" cy="0"/>
+        </a:xfrm>
+      </p:grpSpPr>
+      <p:sp>
+        <p:nvSpPr>
+          <p:cNvPr id="4" name="Title 3">
+            <a:extLst>
+              <a:ext uri="{FF2B5EF4-FFF2-40B4-BE49-F238E27FC236}">
+                <a16:creationId xmlns:a16="http://schemas.microsoft.com/office/drawing/2014/main" id="{1720ACA4-C5B9-C55B-2CA7-CF5138231B4D}"/>
+              </a:ext>
+            </a:extLst>
+          </p:cNvPr>
+          <p:cNvSpPr>
+            <a:spLocks noGrp="1"/>
+          </p:cNvSpPr>
+          <p:nvPr>
+            <p:ph type="title"/>
+          </p:nvPr>
+        </p:nvSpPr>
+        <p:spPr/>
+        <p:txBody>
+          <a:bodyPr/>
+          <a:lstStyle/>
+          <a:p>
+            <a:r>
+              <a:rPr lang="en-US" dirty="0"/>
+              <a:t>Blue/green deployment</a:t>
+            </a:r>
+          </a:p>
+        </p:txBody>
+      </p:sp>
+      <p:sp>
+        <p:nvSpPr>
+          <p:cNvPr id="2" name="Rectangle 1">
+            <a:extLst>
+              <a:ext uri="{FF2B5EF4-FFF2-40B4-BE49-F238E27FC236}">
+                <a16:creationId xmlns:a16="http://schemas.microsoft.com/office/drawing/2014/main" id="{44CD952A-37FC-982F-883E-C360DA7684F5}"/>
+              </a:ext>
+            </a:extLst>
+          </p:cNvPr>
+          <p:cNvSpPr/>
+          <p:nvPr/>
+        </p:nvSpPr>
+        <p:spPr>
+          <a:xfrm>
+            <a:off x="1983580" y="2915840"/>
+            <a:ext cx="2586038" cy="985838"/>
+          </a:xfrm>
+          <a:prstGeom prst="rect">
+            <a:avLst/>
+          </a:prstGeom>
+          <a:solidFill>
+            <a:schemeClr val="bg2">
+              <a:lumMod val="50000"/>
+            </a:schemeClr>
+          </a:solidFill>
+          <a:ln>
+            <a:noFill/>
+          </a:ln>
+        </p:spPr>
+        <p:style>
+          <a:lnRef idx="2">
+            <a:schemeClr val="accent1">
+              <a:shade val="50000"/>
+            </a:schemeClr>
+          </a:lnRef>
+          <a:fillRef idx="1">
+            <a:schemeClr val="accent1"/>
+          </a:fillRef>
+          <a:effectRef idx="0">
+            <a:schemeClr val="accent1"/>
+          </a:effectRef>
+          <a:fontRef idx="minor">
+            <a:schemeClr val="lt1"/>
+          </a:fontRef>
+        </p:style>
+        <p:txBody>
+          <a:bodyPr rtlCol="0" anchor="ctr"/>
+          <a:lstStyle/>
+          <a:p>
+            <a:pPr algn="ctr"/>
+            <a:r>
+              <a:rPr lang="en-US" dirty="0"/>
+              <a:t>Service</a:t>
+            </a:r>
+          </a:p>
+          <a:p>
+            <a:pPr algn="ctr"/>
+            <a:endParaRPr lang="en-US" dirty="0"/>
+          </a:p>
+          <a:p>
+            <a:pPr algn="ctr"/>
+            <a:r>
+              <a:rPr lang="en-US" dirty="0"/>
+              <a:t>(version: green)</a:t>
+            </a:r>
+          </a:p>
+        </p:txBody>
+      </p:sp>
+      <p:sp>
+        <p:nvSpPr>
+          <p:cNvPr id="3" name="Rectangle 2">
+            <a:extLst>
+              <a:ext uri="{FF2B5EF4-FFF2-40B4-BE49-F238E27FC236}">
+                <a16:creationId xmlns:a16="http://schemas.microsoft.com/office/drawing/2014/main" id="{7B758ED8-7945-7119-B545-638354A348D4}"/>
+              </a:ext>
+            </a:extLst>
+          </p:cNvPr>
+          <p:cNvSpPr/>
+          <p:nvPr/>
+        </p:nvSpPr>
+        <p:spPr>
+          <a:xfrm>
+            <a:off x="7622381" y="1930002"/>
+            <a:ext cx="2586038" cy="985838"/>
+          </a:xfrm>
+          <a:prstGeom prst="rect">
+            <a:avLst/>
+          </a:prstGeom>
+          <a:solidFill>
+            <a:srgbClr val="326CE5">
+              <a:alpha val="25098"/>
+            </a:srgbClr>
+          </a:solidFill>
+          <a:ln>
+            <a:noFill/>
+          </a:ln>
+        </p:spPr>
+        <p:style>
+          <a:lnRef idx="2">
+            <a:schemeClr val="accent1">
+              <a:shade val="50000"/>
+            </a:schemeClr>
+          </a:lnRef>
+          <a:fillRef idx="1">
+            <a:schemeClr val="accent1"/>
+          </a:fillRef>
+          <a:effectRef idx="0">
+            <a:schemeClr val="accent1"/>
+          </a:effectRef>
+          <a:fontRef idx="minor">
+            <a:schemeClr val="lt1"/>
+          </a:fontRef>
+        </p:style>
+        <p:txBody>
+          <a:bodyPr rtlCol="0" anchor="ctr"/>
+          <a:lstStyle/>
+          <a:p>
+            <a:pPr algn="ctr"/>
+            <a:r>
+              <a:rPr lang="en-US" dirty="0"/>
+              <a:t>Blue deployment</a:t>
+            </a:r>
+          </a:p>
+        </p:txBody>
+      </p:sp>
+      <p:sp>
+        <p:nvSpPr>
+          <p:cNvPr id="9" name="Rectangle 8">
+            <a:extLst>
+              <a:ext uri="{FF2B5EF4-FFF2-40B4-BE49-F238E27FC236}">
+                <a16:creationId xmlns:a16="http://schemas.microsoft.com/office/drawing/2014/main" id="{B6940C59-0F00-D8F1-7576-EB309A46F492}"/>
+              </a:ext>
+            </a:extLst>
+          </p:cNvPr>
+          <p:cNvSpPr/>
+          <p:nvPr/>
+        </p:nvSpPr>
+        <p:spPr>
+          <a:xfrm>
+            <a:off x="7622381" y="3942159"/>
+            <a:ext cx="2586038" cy="985838"/>
+          </a:xfrm>
+          <a:prstGeom prst="rect">
+            <a:avLst/>
+          </a:prstGeom>
+          <a:solidFill>
+            <a:srgbClr val="00B050"/>
+          </a:solidFill>
+          <a:ln>
+            <a:noFill/>
+          </a:ln>
+        </p:spPr>
+        <p:style>
+          <a:lnRef idx="2">
+            <a:schemeClr val="accent1">
+              <a:shade val="50000"/>
+            </a:schemeClr>
+          </a:lnRef>
+          <a:fillRef idx="1">
+            <a:schemeClr val="accent1"/>
+          </a:fillRef>
+          <a:effectRef idx="0">
+            <a:schemeClr val="accent1"/>
+          </a:effectRef>
+          <a:fontRef idx="minor">
+            <a:schemeClr val="lt1"/>
+          </a:fontRef>
+        </p:style>
+        <p:txBody>
+          <a:bodyPr rtlCol="0" anchor="ctr"/>
+          <a:lstStyle/>
+          <a:p>
+            <a:pPr algn="ctr"/>
+            <a:r>
+              <a:rPr lang="en-US" dirty="0"/>
+              <a:t>Green deployment</a:t>
+            </a:r>
+          </a:p>
+        </p:txBody>
+      </p:sp>
+      <p:cxnSp>
+        <p:nvCxnSpPr>
+          <p:cNvPr id="10" name="Straight Arrow Connector 9">
+            <a:extLst>
+              <a:ext uri="{FF2B5EF4-FFF2-40B4-BE49-F238E27FC236}">
+                <a16:creationId xmlns:a16="http://schemas.microsoft.com/office/drawing/2014/main" id="{CABC6F6B-7889-95DB-98B8-275C9CF69A5D}"/>
+              </a:ext>
+            </a:extLst>
+          </p:cNvPr>
+          <p:cNvCxnSpPr>
+            <a:cxnSpLocks/>
+            <a:endCxn id="9" idx="1"/>
+          </p:cNvCxnSpPr>
+          <p:nvPr/>
+        </p:nvCxnSpPr>
+        <p:spPr>
+          <a:xfrm>
+            <a:off x="4569618" y="3408759"/>
+            <a:ext cx="3052763" cy="1026319"/>
+          </a:xfrm>
+          <a:prstGeom prst="straightConnector1">
+            <a:avLst/>
+          </a:prstGeom>
+          <a:ln>
+            <a:tailEnd type="triangle"/>
+          </a:ln>
+        </p:spPr>
+        <p:style>
+          <a:lnRef idx="1">
+            <a:schemeClr val="accent1"/>
+          </a:lnRef>
+          <a:fillRef idx="0">
+            <a:schemeClr val="accent1"/>
+          </a:fillRef>
+          <a:effectRef idx="0">
+            <a:schemeClr val="accent1"/>
+          </a:effectRef>
+          <a:fontRef idx="minor">
+            <a:schemeClr val="tx1"/>
+          </a:fontRef>
+        </p:style>
+      </p:cxnSp>
+    </p:spTree>
+    <p:extLst>
+      <p:ext uri="{BB962C8B-B14F-4D97-AF65-F5344CB8AC3E}">
+        <p14:creationId xmlns:p14="http://schemas.microsoft.com/office/powerpoint/2010/main" val="2638113921"/>
+      </p:ext>
+    </p:extLst>
+  </p:cSld>
+  <p:clrMapOvr>
+    <a:masterClrMapping/>
+  </p:clrMapOvr>
+  <p:timing>
+    <p:tnLst>
+      <p:par>
+        <p:cTn id="1" dur="indefinite" restart="never" nodeType="tmRoot">
+          <p:childTnLst>
+            <p:seq concurrent="1" nextAc="seek">
+              <p:cTn id="2" dur="indefinite" nodeType="mainSeq">
+                <p:childTnLst>
+                  <p:par>
+                    <p:cTn id="3" fill="hold">
+                      <p:stCondLst>
+                        <p:cond delay="indefinite"/>
+                        <p:cond evt="onBegin" delay="0">
+                          <p:tn val="2"/>
+                        </p:cond>
+                      </p:stCondLst>
+                      <p:childTnLst>
+                        <p:par>
+                          <p:cTn id="4" fill="hold">
+                            <p:stCondLst>
+                              <p:cond delay="0"/>
+                            </p:stCondLst>
+                            <p:childTnLst>
+                              <p:par>
+                                <p:cTn id="5" presetID="10" presetClass="entr" presetSubtype="0" fill="hold" nodeType="withEffect">
+                                  <p:stCondLst>
+                                    <p:cond delay="0"/>
+                                  </p:stCondLst>
+                                  <p:childTnLst>
+                                    <p:set>
+                                      <p:cBhvr>
+                                        <p:cTn id="6" dur="1" fill="hold">
+                                          <p:stCondLst>
+                                            <p:cond delay="0"/>
+                                          </p:stCondLst>
+                                        </p:cTn>
+                                        <p:tgtEl>
+                                          <p:spTgt spid="10"/>
+                                        </p:tgtEl>
+                                        <p:attrNameLst>
+                                          <p:attrName>style.visibility</p:attrName>
+                                        </p:attrNameLst>
+                                      </p:cBhvr>
+                                      <p:to>
+                                        <p:strVal val="visible"/>
+                                      </p:to>
+                                    </p:set>
+                                    <p:animEffect transition="in" filter="fade">
+                                      <p:cBhvr>
+                                        <p:cTn id="7" dur="500"/>
+                                        <p:tgtEl>
+                                          <p:spTgt spid="10"/>
+                                        </p:tgtEl>
+                                      </p:cBhvr>
+                                    </p:animEffect>
+                                  </p:childTnLst>
+                                </p:cTn>
+                              </p:par>
+                              <p:par>
+                                <p:cTn id="8" presetID="10" presetClass="entr" presetSubtype="0" fill="hold" grpId="0" nodeType="withEffect">
+                                  <p:stCondLst>
+                                    <p:cond delay="0"/>
+                                  </p:stCondLst>
+                                  <p:childTnLst>
+                                    <p:set>
+                                      <p:cBhvr>
+                                        <p:cTn id="9" dur="1" fill="hold">
+                                          <p:stCondLst>
+                                            <p:cond delay="0"/>
+                                          </p:stCondLst>
+                                        </p:cTn>
+                                        <p:tgtEl>
+                                          <p:spTgt spid="9"/>
+                                        </p:tgtEl>
+                                        <p:attrNameLst>
+                                          <p:attrName>style.visibility</p:attrName>
+                                        </p:attrNameLst>
+                                      </p:cBhvr>
+                                      <p:to>
+                                        <p:strVal val="visible"/>
+                                      </p:to>
+                                    </p:set>
+                                    <p:animEffect transition="in" filter="fade">
+                                      <p:cBhvr>
+                                        <p:cTn id="10" dur="500"/>
+                                        <p:tgtEl>
+                                          <p:spTgt spid="9"/>
+                                        </p:tgtEl>
+                                      </p:cBhvr>
+                                    </p:animEffect>
+                                  </p:childTnLst>
+                                </p:cTn>
+                              </p:par>
+                            </p:childTnLst>
+                          </p:cTn>
+                        </p:par>
+                      </p:childTnLst>
+                    </p:cTn>
+                  </p:par>
+                </p:childTnLst>
+              </p:cTn>
+              <p:prevCondLst>
+                <p:cond evt="onPrev" delay="0">
+                  <p:tgtEl>
+                    <p:sldTgt/>
+                  </p:tgtEl>
+                </p:cond>
+              </p:prevCondLst>
+              <p:nextCondLst>
+                <p:cond evt="onNext" delay="0">
+                  <p:tgtEl>
+                    <p:sldTgt/>
+                  </p:tgtEl>
+                </p:cond>
+              </p:nextCondLst>
+            </p:seq>
+          </p:childTnLst>
+        </p:cTn>
+      </p:par>
+    </p:tnLst>
+    <p:bldLst>
+      <p:bldP spid="9" grpId="0" animBg="1"/>
+    </p:bldLst>
+  </p:timing>
+</p:sld>
+</file>
+
+<file path=ppt/slides/slide4.xml><?xml version="1.0" encoding="utf-8"?>
 <p:sld xmlns:a="http://schemas.openxmlformats.org/drawingml/2006/main" xmlns:r="http://schemas.openxmlformats.org/officeDocument/2006/relationships" xmlns:p="http://schemas.openxmlformats.org/presentationml/2006/main">
   <p:cSld>
     <p:spTree>

--- a/chapter-02/01-bluegreen/02_01_bluegreen.pptx
+++ b/chapter-02/01-bluegreen/02_01_bluegreen.pptx
@@ -260,7 +260,7 @@
           <a:p>
             <a:fld id="{7C2A2C10-8C9F-9B42-9862-A5B84F1CAB8B}" type="datetimeFigureOut">
               <a:rPr lang="en-US" smtClean="0"/>
-              <a:t>4/15/2023</a:t>
+              <a:t>4/16/2023</a:t>
             </a:fld>
             <a:endParaRPr lang="en-US"/>
           </a:p>
@@ -16070,7 +16070,7 @@
             </a:r>
             <a:r>
               <a:rPr lang="en-US" dirty="0"/>
-              <a:t> file’, create a second deployment named ‘</a:t>
+              <a:t>’ file, create a second deployment named ‘</a:t>
             </a:r>
             <a:r>
               <a:rPr lang="en-US" dirty="0" err="1"/>
